--- a/발표/발표.pptx
+++ b/발표/발표.pptx
@@ -5976,8 +5976,8 @@
         </p:nvSpPr>
         <p:spPr>
           <a:xfrm>
-            <a:off x="2372239" y="1699295"/>
-            <a:ext cx="1916023" cy="365725"/>
+            <a:off x="2372238" y="1558764"/>
+            <a:ext cx="1916022" cy="641950"/>
           </a:xfrm>
           <a:prstGeom prst="rect">
             <a:avLst/>
@@ -6021,27 +6021,6 @@
               <a:cs typeface="맑은 고딕"/>
             </a:endParaRPr>
           </a:p>
-        </p:txBody>
-      </p:sp>
-      <p:sp>
-        <p:nvSpPr>
-          <p:cNvPr id="8" name=""/>
-          <p:cNvSpPr txBox="1"/>
-          <p:nvPr/>
-        </p:nvSpPr>
-        <p:spPr>
-          <a:xfrm>
-            <a:off x="7763389" y="1696877"/>
-            <a:ext cx="1916024" cy="365725"/>
-          </a:xfrm>
-          <a:prstGeom prst="rect">
-            <a:avLst/>
-          </a:prstGeom>
-        </p:spPr>
-        <p:txBody>
-          <a:bodyPr wrap="square">
-            <a:spAutoFit/>
-          </a:bodyPr>
           <a:p>
             <a:pPr marL="0" indent="0" algn="ctr" defTabSz="914400" rtl="0" eaLnBrk="1" latinLnBrk="1" hangingPunct="1">
               <a:lnSpc>
@@ -6065,7 +6044,29 @@
                 <a:ea typeface="맑은 고딕"/>
                 <a:cs typeface="맑은 고딕"/>
               </a:rPr>
-              <a:t>java.util.package</a:t>
+              <a:t>(</a:t>
+            </a:r>
+            <a:r>
+              <a:rPr xmlns:mc="http://schemas.openxmlformats.org/markup-compatibility/2006" xmlns:hp="http://schemas.haansoft.com/office/presentation/8.0" kumimoji="0" lang="ko-KR" altLang="en-US" sz="1800" b="0" i="0" u="none" strike="noStrike" kern="1200" cap="none" spc="0" normalizeH="0" baseline="0" mc:Ignorable="hp" hp:hslEmbossed="0">
+                <a:solidFill>
+                  <a:srgbClr val="000000"/>
+                </a:solidFill>
+                <a:latin typeface="Calibri"/>
+                <a:ea typeface="맑은 고딕"/>
+                <a:cs typeface="맑은 고딕"/>
+              </a:rPr>
+              <a:t>예</a:t>
+            </a:r>
+            <a:r>
+              <a:rPr xmlns:mc="http://schemas.openxmlformats.org/markup-compatibility/2006" xmlns:hp="http://schemas.haansoft.com/office/presentation/8.0" kumimoji="0" lang="en-US" altLang="ko-KR" sz="1800" b="0" i="0" u="none" strike="noStrike" kern="1200" cap="none" spc="0" normalizeH="0" baseline="0" mc:Ignorable="hp" hp:hslEmbossed="0">
+                <a:solidFill>
+                  <a:srgbClr val="000000"/>
+                </a:solidFill>
+                <a:latin typeface="Calibri"/>
+                <a:ea typeface="맑은 고딕"/>
+                <a:cs typeface="맑은 고딕"/>
+              </a:rPr>
+              <a:t>: String, System)</a:t>
             </a:r>
             <a:endParaRPr xmlns:mc="http://schemas.openxmlformats.org/markup-compatibility/2006" xmlns:hp="http://schemas.haansoft.com/office/presentation/8.0" kumimoji="0" lang="en-US" altLang="ko-KR" sz="1800" b="0" i="0" u="none" strike="noStrike" kern="1200" cap="none" spc="0" normalizeH="0" baseline="0" mc:Ignorable="hp" hp:hslEmbossed="0">
               <a:solidFill>
@@ -6078,40 +6079,16 @@
           </a:p>
         </p:txBody>
       </p:sp>
-      <p:pic>
-        <p:nvPicPr>
-          <p:cNvPr id="10" name=""/>
-          <p:cNvPicPr>
-            <a:picLocks noChangeAspect="1"/>
-          </p:cNvPicPr>
-          <p:nvPr/>
-        </p:nvPicPr>
-        <p:blipFill rotWithShape="1">
-          <a:blip r:embed="rId2"/>
-          <a:stretch>
-            <a:fillRect/>
-          </a:stretch>
-        </p:blipFill>
-        <p:spPr>
-          <a:xfrm>
-            <a:off x="1399617" y="6107142"/>
-            <a:ext cx="6363771" cy="395968"/>
-          </a:xfrm>
-          <a:prstGeom prst="rect">
-            <a:avLst/>
-          </a:prstGeom>
-        </p:spPr>
-      </p:pic>
       <p:sp>
         <p:nvSpPr>
-          <p:cNvPr id="11" name=""/>
+          <p:cNvPr id="8" name=""/>
           <p:cNvSpPr txBox="1"/>
           <p:nvPr/>
         </p:nvSpPr>
         <p:spPr>
           <a:xfrm>
-            <a:off x="2497435" y="2792730"/>
-            <a:ext cx="1916023" cy="636270"/>
+            <a:off x="7763390" y="1565871"/>
+            <a:ext cx="1916024" cy="634843"/>
           </a:xfrm>
           <a:prstGeom prst="rect">
             <a:avLst/>
@@ -6136,7 +6113,7 @@
               <a:defRPr/>
             </a:pPr>
             <a:r>
-              <a:rPr xmlns:mc="http://schemas.openxmlformats.org/markup-compatibility/2006" xmlns:hp="http://schemas.haansoft.com/office/presentation/8.0" kumimoji="0" lang="ko-KR" altLang="en-US" sz="1800" b="0" i="0" u="none" strike="noStrike" kern="1200" cap="none" spc="0" normalizeH="0" baseline="0" mc:Ignorable="hp" hp:hslEmbossed="0">
+              <a:rPr xmlns:mc="http://schemas.openxmlformats.org/markup-compatibility/2006" xmlns:hp="http://schemas.haansoft.com/office/presentation/8.0" kumimoji="0" lang="en-US" altLang="ko-KR" sz="1800" b="0" i="0" u="none" strike="noStrike" kern="1200" cap="none" spc="0" normalizeH="0" baseline="0" mc:Ignorable="hp" hp:hslEmbossed="0">
                 <a:solidFill>
                   <a:srgbClr val="000000"/>
                 </a:solidFill>
@@ -6144,9 +6121,9 @@
                 <a:ea typeface="맑은 고딕"/>
                 <a:cs typeface="맑은 고딕"/>
               </a:rPr>
-              <a:t>커스텀 생성시</a:t>
-            </a:r>
-            <a:endParaRPr xmlns:mc="http://schemas.openxmlformats.org/markup-compatibility/2006" xmlns:hp="http://schemas.haansoft.com/office/presentation/8.0" kumimoji="0" lang="ko-KR" altLang="en-US" sz="1800" b="0" i="0" u="none" strike="noStrike" kern="1200" cap="none" spc="0" normalizeH="0" baseline="0" mc:Ignorable="hp" hp:hslEmbossed="0">
+              <a:t>java.util.package</a:t>
+            </a:r>
+            <a:endParaRPr xmlns:mc="http://schemas.openxmlformats.org/markup-compatibility/2006" xmlns:hp="http://schemas.haansoft.com/office/presentation/8.0" kumimoji="0" lang="en-US" altLang="ko-KR" sz="1800" b="0" i="0" u="none" strike="noStrike" kern="1200" cap="none" spc="0" normalizeH="0" baseline="0" mc:Ignorable="hp" hp:hslEmbossed="0">
               <a:solidFill>
                 <a:srgbClr val="000000"/>
               </a:solidFill>
@@ -6178,7 +6155,29 @@
                 <a:ea typeface="맑은 고딕"/>
                 <a:cs typeface="맑은 고딕"/>
               </a:rPr>
-              <a:t>compareTo()</a:t>
+              <a:t>(</a:t>
+            </a:r>
+            <a:r>
+              <a:rPr xmlns:mc="http://schemas.openxmlformats.org/markup-compatibility/2006" xmlns:hp="http://schemas.haansoft.com/office/presentation/8.0" kumimoji="0" lang="ko-KR" altLang="en-US" sz="1800" b="0" i="0" u="none" strike="noStrike" kern="1200" cap="none" spc="0" normalizeH="0" baseline="0" mc:Ignorable="hp" hp:hslEmbossed="0">
+                <a:solidFill>
+                  <a:srgbClr val="000000"/>
+                </a:solidFill>
+                <a:latin typeface="Calibri"/>
+                <a:ea typeface="맑은 고딕"/>
+                <a:cs typeface="맑은 고딕"/>
+              </a:rPr>
+              <a:t>예 </a:t>
+            </a:r>
+            <a:r>
+              <a:rPr xmlns:mc="http://schemas.openxmlformats.org/markup-compatibility/2006" xmlns:hp="http://schemas.haansoft.com/office/presentation/8.0" kumimoji="0" lang="en-US" altLang="ko-KR" sz="1800" b="0" i="0" u="none" strike="noStrike" kern="1200" cap="none" spc="0" normalizeH="0" baseline="0" mc:Ignorable="hp" hp:hslEmbossed="0">
+                <a:solidFill>
+                  <a:srgbClr val="000000"/>
+                </a:solidFill>
+                <a:latin typeface="Calibri"/>
+                <a:ea typeface="맑은 고딕"/>
+                <a:cs typeface="맑은 고딕"/>
+              </a:rPr>
+              <a:t>:</a:t>
             </a:r>
             <a:r>
               <a:rPr xmlns:mc="http://schemas.openxmlformats.org/markup-compatibility/2006" xmlns:hp="http://schemas.haansoft.com/office/presentation/8.0" kumimoji="0" lang="ko-KR" altLang="en-US" sz="1800" b="0" i="0" u="none" strike="noStrike" kern="1200" cap="none" spc="0" normalizeH="0" baseline="0" mc:Ignorable="hp" hp:hslEmbossed="0">
@@ -6191,7 +6190,18 @@
               </a:rPr>
               <a:t> </a:t>
             </a:r>
-            <a:endParaRPr xmlns:mc="http://schemas.openxmlformats.org/markup-compatibility/2006" xmlns:hp="http://schemas.haansoft.com/office/presentation/8.0" kumimoji="0" lang="ko-KR" altLang="en-US" sz="1800" b="0" i="0" u="none" strike="noStrike" kern="1200" cap="none" spc="0" normalizeH="0" baseline="0" mc:Ignorable="hp" hp:hslEmbossed="0">
+            <a:r>
+              <a:rPr xmlns:mc="http://schemas.openxmlformats.org/markup-compatibility/2006" xmlns:hp="http://schemas.haansoft.com/office/presentation/8.0" kumimoji="0" lang="en-US" altLang="ko-KR" sz="1800" b="0" i="0" u="none" strike="noStrike" kern="1200" cap="none" spc="0" normalizeH="0" baseline="0" mc:Ignorable="hp" hp:hslEmbossed="0">
+                <a:solidFill>
+                  <a:srgbClr val="000000"/>
+                </a:solidFill>
+                <a:latin typeface="Calibri"/>
+                <a:ea typeface="맑은 고딕"/>
+                <a:cs typeface="맑은 고딕"/>
+              </a:rPr>
+              <a:t>random)</a:t>
+            </a:r>
+            <a:endParaRPr xmlns:mc="http://schemas.openxmlformats.org/markup-compatibility/2006" xmlns:hp="http://schemas.haansoft.com/office/presentation/8.0" kumimoji="0" lang="en-US" altLang="ko-KR" sz="1800" b="0" i="0" u="none" strike="noStrike" kern="1200" cap="none" spc="0" normalizeH="0" baseline="0" mc:Ignorable="hp" hp:hslEmbossed="0">
               <a:solidFill>
                 <a:srgbClr val="000000"/>
               </a:solidFill>
@@ -6204,14 +6214,14 @@
       </p:sp>
       <p:sp>
         <p:nvSpPr>
-          <p:cNvPr id="12" name=""/>
+          <p:cNvPr id="11" name=""/>
           <p:cNvSpPr txBox="1"/>
           <p:nvPr/>
         </p:nvSpPr>
         <p:spPr>
           <a:xfrm>
-            <a:off x="7181695" y="2790312"/>
-            <a:ext cx="3079436" cy="638688"/>
+            <a:off x="1824706" y="2783120"/>
+            <a:ext cx="3896735" cy="634450"/>
           </a:xfrm>
           <a:prstGeom prst="rect">
             <a:avLst/>
@@ -6236,6 +6246,17 @@
               <a:defRPr/>
             </a:pPr>
             <a:r>
+              <a:rPr xmlns:mc="http://schemas.openxmlformats.org/markup-compatibility/2006" xmlns:hp="http://schemas.haansoft.com/office/presentation/8.0" kumimoji="0" lang="en-US" altLang="ko-KR" sz="1800" b="0" i="0" u="none" strike="noStrike" kern="1200" cap="none" spc="0" normalizeH="0" baseline="0" mc:Ignorable="hp" hp:hslEmbossed="0">
+                <a:solidFill>
+                  <a:srgbClr val="000000"/>
+                </a:solidFill>
+                <a:latin typeface="Calibri"/>
+                <a:ea typeface="맑은 고딕"/>
+                <a:cs typeface="맑은 고딕"/>
+              </a:rPr>
+              <a:t>compareTo()</a:t>
+            </a:r>
+            <a:r>
               <a:rPr xmlns:mc="http://schemas.openxmlformats.org/markup-compatibility/2006" xmlns:hp="http://schemas.haansoft.com/office/presentation/8.0" kumimoji="0" lang="ko-KR" altLang="en-US" sz="1800" b="0" i="0" u="none" strike="noStrike" kern="1200" cap="none" spc="0" normalizeH="0" baseline="0" mc:Ignorable="hp" hp:hslEmbossed="0">
                 <a:solidFill>
                   <a:srgbClr val="000000"/>
@@ -6244,7 +6265,7 @@
                 <a:ea typeface="맑은 고딕"/>
                 <a:cs typeface="맑은 고딕"/>
               </a:rPr>
-              <a:t>생성시</a:t>
+              <a:t>메소드로 </a:t>
             </a:r>
             <a:endParaRPr xmlns:mc="http://schemas.openxmlformats.org/markup-compatibility/2006" xmlns:hp="http://schemas.haansoft.com/office/presentation/8.0" kumimoji="0" lang="ko-KR" altLang="en-US" sz="1800" b="0" i="0" u="none" strike="noStrike" kern="1200" cap="none" spc="0" normalizeH="0" baseline="0" mc:Ignorable="hp" hp:hslEmbossed="0">
               <a:solidFill>
@@ -6270,6 +6291,61 @@
               <a:defRPr/>
             </a:pPr>
             <a:r>
+              <a:rPr xmlns:mc="http://schemas.openxmlformats.org/markup-compatibility/2006" xmlns:hp="http://schemas.haansoft.com/office/presentation/8.0" kumimoji="0" lang="ko-KR" altLang="en-US" sz="1800" b="0" i="0" u="none" strike="noStrike" kern="1200" cap="none" spc="0" normalizeH="0" baseline="0" mc:Ignorable="hp" hp:hslEmbossed="0">
+                <a:solidFill>
+                  <a:srgbClr val="000000"/>
+                </a:solidFill>
+                <a:latin typeface="Calibri"/>
+                <a:ea typeface="맑은 고딕"/>
+                <a:cs typeface="맑은 고딕"/>
+              </a:rPr>
+              <a:t>객체 본인과 매개변수 비교</a:t>
+            </a:r>
+            <a:endParaRPr xmlns:mc="http://schemas.openxmlformats.org/markup-compatibility/2006" xmlns:hp="http://schemas.haansoft.com/office/presentation/8.0" kumimoji="0" lang="ko-KR" altLang="en-US" sz="1800" b="0" i="0" u="none" strike="noStrike" kern="1200" cap="none" spc="0" normalizeH="0" baseline="0" mc:Ignorable="hp" hp:hslEmbossed="0">
+              <a:solidFill>
+                <a:srgbClr val="000000"/>
+              </a:solidFill>
+              <a:latin typeface="Calibri"/>
+              <a:ea typeface="맑은 고딕"/>
+              <a:cs typeface="맑은 고딕"/>
+            </a:endParaRPr>
+          </a:p>
+        </p:txBody>
+      </p:sp>
+      <p:sp>
+        <p:nvSpPr>
+          <p:cNvPr id="12" name=""/>
+          <p:cNvSpPr txBox="1"/>
+          <p:nvPr/>
+        </p:nvSpPr>
+        <p:spPr>
+          <a:xfrm>
+            <a:off x="7181695" y="2790312"/>
+            <a:ext cx="3079436" cy="636783"/>
+          </a:xfrm>
+          <a:prstGeom prst="rect">
+            <a:avLst/>
+          </a:prstGeom>
+        </p:spPr>
+        <p:txBody>
+          <a:bodyPr wrap="square">
+            <a:spAutoFit/>
+          </a:bodyPr>
+          <a:p>
+            <a:pPr marL="0" indent="0" algn="ctr" defTabSz="914400" rtl="0" eaLnBrk="1" latinLnBrk="1" hangingPunct="1">
+              <a:lnSpc>
+                <a:spcPct val="100000"/>
+              </a:lnSpc>
+              <a:spcBef>
+                <a:spcPct val="0"/>
+              </a:spcBef>
+              <a:spcAft>
+                <a:spcPts val="0"/>
+              </a:spcAft>
+              <a:buNone/>
+              <a:defRPr/>
+            </a:pPr>
+            <a:r>
               <a:rPr xmlns:mc="http://schemas.openxmlformats.org/markup-compatibility/2006" xmlns:hp="http://schemas.haansoft.com/office/presentation/8.0" kumimoji="0" lang="en-US" altLang="ko-KR" sz="1800" b="0" i="0" u="none" strike="noStrike" kern="1200" cap="none" spc="0" normalizeH="0" baseline="0" mc:Ignorable="hp" hp:hslEmbossed="0">
                 <a:solidFill>
                   <a:srgbClr val="000000"/>
@@ -6281,6 +6357,40 @@
               <a:t>compare(Object o1, Object 02)</a:t>
             </a:r>
             <a:endParaRPr xmlns:mc="http://schemas.openxmlformats.org/markup-compatibility/2006" xmlns:hp="http://schemas.haansoft.com/office/presentation/8.0" kumimoji="0" lang="en-US" altLang="ko-KR" sz="1800" b="0" i="0" u="none" strike="noStrike" kern="1200" cap="none" spc="0" normalizeH="0" baseline="0" mc:Ignorable="hp" hp:hslEmbossed="0">
+              <a:solidFill>
+                <a:srgbClr val="000000"/>
+              </a:solidFill>
+              <a:latin typeface="Calibri"/>
+              <a:ea typeface="맑은 고딕"/>
+              <a:cs typeface="맑은 고딕"/>
+            </a:endParaRPr>
+          </a:p>
+          <a:p>
+            <a:pPr marL="0" indent="0" algn="ctr" defTabSz="914400" rtl="0" eaLnBrk="1" latinLnBrk="1" hangingPunct="1">
+              <a:lnSpc>
+                <a:spcPct val="100000"/>
+              </a:lnSpc>
+              <a:spcBef>
+                <a:spcPct val="0"/>
+              </a:spcBef>
+              <a:spcAft>
+                <a:spcPts val="0"/>
+              </a:spcAft>
+              <a:buNone/>
+              <a:defRPr/>
+            </a:pPr>
+            <a:r>
+              <a:rPr xmlns:mc="http://schemas.openxmlformats.org/markup-compatibility/2006" xmlns:hp="http://schemas.haansoft.com/office/presentation/8.0" kumimoji="0" lang="ko-KR" altLang="en-US" sz="1800" b="0" i="0" u="none" strike="noStrike" kern="1200" cap="none" spc="0" normalizeH="0" baseline="0" mc:Ignorable="hp" hp:hslEmbossed="0">
+                <a:solidFill>
+                  <a:srgbClr val="000000"/>
+                </a:solidFill>
+                <a:latin typeface="Calibri"/>
+                <a:ea typeface="맑은 고딕"/>
+                <a:cs typeface="맑은 고딕"/>
+              </a:rPr>
+              <a:t>매개변수와 매개변수 비교</a:t>
+            </a:r>
+            <a:endParaRPr xmlns:mc="http://schemas.openxmlformats.org/markup-compatibility/2006" xmlns:hp="http://schemas.haansoft.com/office/presentation/8.0" kumimoji="0" lang="ko-KR" altLang="en-US" sz="1800" b="0" i="0" u="none" strike="noStrike" kern="1200" cap="none" spc="0" normalizeH="0" baseline="0" mc:Ignorable="hp" hp:hslEmbossed="0">
               <a:solidFill>
                 <a:srgbClr val="000000"/>
               </a:solidFill>
@@ -8197,7 +8307,7 @@
                             </p:stCondLst>
                             <p:childTnLst>
                               <p:par>
-                                <p:cTn id="19" presetID="1" presetClass="entr" presetSubtype="0" fill="hold" nodeType="clickEffect">
+                                <p:cTn id="19" presetID="2" presetClass="entr" presetSubtype="4" fill="hold" grpId="3" nodeType="clickEffect">
                                   <p:stCondLst>
                                     <p:cond delay="0"/>
                                   </p:stCondLst>
@@ -8205,51 +8315,6 @@
                                     <p:set>
                                       <p:cBhvr>
                                         <p:cTn id="20" dur="1" fill="hold">
-                                          <p:stCondLst>
-                                            <p:cond delay="0"/>
-                                          </p:stCondLst>
-                                        </p:cTn>
-                                        <p:tgtEl>
-                                          <p:spTgt spid="10"/>
-                                        </p:tgtEl>
-                                        <p:attrNameLst>
-                                          <p:attrName>style.visibility</p:attrName>
-                                        </p:attrNameLst>
-                                      </p:cBhvr>
-                                      <p:to>
-                                        <p:strVal val="visible"/>
-                                      </p:to>
-                                    </p:set>
-                                  </p:childTnLst>
-                                </p:cTn>
-                              </p:par>
-                            </p:childTnLst>
-                          </p:cTn>
-                        </p:par>
-                      </p:childTnLst>
-                    </p:cTn>
-                  </p:par>
-                  <p:par>
-                    <p:cTn id="21" fill="hold">
-                      <p:stCondLst>
-                        <p:cond delay="indefinite"/>
-                      </p:stCondLst>
-                      <p:childTnLst>
-                        <p:par>
-                          <p:cTn id="22" fill="hold">
-                            <p:stCondLst>
-                              <p:cond delay="0"/>
-                            </p:stCondLst>
-                            <p:childTnLst>
-                              <p:par>
-                                <p:cTn id="23" presetID="2" presetClass="entr" presetSubtype="4" fill="hold" grpId="3" nodeType="clickEffect">
-                                  <p:stCondLst>
-                                    <p:cond delay="0"/>
-                                  </p:stCondLst>
-                                  <p:childTnLst>
-                                    <p:set>
-                                      <p:cBhvr>
-                                        <p:cTn id="24" dur="1" fill="hold">
                                           <p:stCondLst>
                                             <p:cond delay="0"/>
                                           </p:stCondLst>
@@ -8267,7 +8332,7 @@
                                     </p:set>
                                     <p:anim calcmode="lin" valueType="num">
                                       <p:cBhvr additive="base">
-                                        <p:cTn id="25" dur="500" fill="hold"/>
+                                        <p:cTn id="21" dur="500" fill="hold"/>
                                         <p:tgtEl>
                                           <p:spTgt spid="16"/>
                                         </p:tgtEl>
@@ -8290,7 +8355,7 @@
                                     </p:anim>
                                     <p:anim calcmode="lin" valueType="num">
                                       <p:cBhvr additive="base">
-                                        <p:cTn id="26" dur="500" fill="hold"/>
+                                        <p:cTn id="22" dur="500" fill="hold"/>
                                         <p:tgtEl>
                                           <p:spTgt spid="16"/>
                                         </p:tgtEl>
@@ -8315,14 +8380,14 @@
                                 </p:cTn>
                               </p:par>
                               <p:par>
-                                <p:cTn id="27" presetID="2" presetClass="entr" presetSubtype="4" fill="hold" grpId="4" nodeType="withEffect">
+                                <p:cTn id="23" presetID="2" presetClass="entr" presetSubtype="4" fill="hold" grpId="4" nodeType="withEffect">
                                   <p:stCondLst>
                                     <p:cond delay="0"/>
                                   </p:stCondLst>
                                   <p:childTnLst>
                                     <p:set>
                                       <p:cBhvr>
-                                        <p:cTn id="28" dur="1" fill="hold">
+                                        <p:cTn id="24" dur="1" fill="hold">
                                           <p:stCondLst>
                                             <p:cond delay="0"/>
                                           </p:stCondLst>
@@ -8340,7 +8405,7 @@
                                     </p:set>
                                     <p:anim calcmode="lin" valueType="num">
                                       <p:cBhvr additive="base">
-                                        <p:cTn id="29" dur="500" fill="hold"/>
+                                        <p:cTn id="25" dur="500" fill="hold"/>
                                         <p:tgtEl>
                                           <p:spTgt spid="11"/>
                                         </p:tgtEl>
@@ -8363,7 +8428,7 @@
                                     </p:anim>
                                     <p:anim calcmode="lin" valueType="num">
                                       <p:cBhvr additive="base">
-                                        <p:cTn id="30" dur="500" fill="hold"/>
+                                        <p:cTn id="26" dur="500" fill="hold"/>
                                         <p:tgtEl>
                                           <p:spTgt spid="11"/>
                                         </p:tgtEl>
@@ -8388,14 +8453,14 @@
                                 </p:cTn>
                               </p:par>
                               <p:par>
-                                <p:cTn id="31" presetID="2" presetClass="entr" presetSubtype="4" fill="hold" grpId="5" nodeType="withEffect">
+                                <p:cTn id="27" presetID="2" presetClass="entr" presetSubtype="4" fill="hold" grpId="5" nodeType="withEffect">
                                   <p:stCondLst>
                                     <p:cond delay="0"/>
                                   </p:stCondLst>
                                   <p:childTnLst>
                                     <p:set>
                                       <p:cBhvr>
-                                        <p:cTn id="32" dur="1" fill="hold">
+                                        <p:cTn id="28" dur="1" fill="hold">
                                           <p:stCondLst>
                                             <p:cond delay="0"/>
                                           </p:stCondLst>
@@ -8413,7 +8478,7 @@
                                     </p:set>
                                     <p:anim calcmode="lin" valueType="num">
                                       <p:cBhvr additive="base">
-                                        <p:cTn id="33" dur="500" fill="hold"/>
+                                        <p:cTn id="29" dur="500" fill="hold"/>
                                         <p:tgtEl>
                                           <p:spTgt spid="12"/>
                                         </p:tgtEl>
@@ -8436,7 +8501,7 @@
                                     </p:anim>
                                     <p:anim calcmode="lin" valueType="num">
                                       <p:cBhvr additive="base">
-                                        <p:cTn id="34" dur="500" fill="hold"/>
+                                        <p:cTn id="30" dur="500" fill="hold"/>
                                         <p:tgtEl>
                                           <p:spTgt spid="12"/>
                                         </p:tgtEl>
@@ -8467,26 +8532,26 @@
                     </p:cTn>
                   </p:par>
                   <p:par>
-                    <p:cTn id="35" fill="hold">
+                    <p:cTn id="31" fill="hold">
                       <p:stCondLst>
                         <p:cond delay="indefinite"/>
                       </p:stCondLst>
                       <p:childTnLst>
                         <p:par>
-                          <p:cTn id="36" fill="hold">
+                          <p:cTn id="32" fill="hold">
                             <p:stCondLst>
                               <p:cond delay="0"/>
                             </p:stCondLst>
                             <p:childTnLst>
                               <p:par>
-                                <p:cTn id="37" presetID="2" presetClass="entr" presetSubtype="4" fill="hold" grpId="6" nodeType="clickEffect">
+                                <p:cTn id="33" presetID="2" presetClass="entr" presetSubtype="4" fill="hold" grpId="6" nodeType="clickEffect">
                                   <p:stCondLst>
                                     <p:cond delay="0"/>
                                   </p:stCondLst>
                                   <p:childTnLst>
                                     <p:set>
                                       <p:cBhvr>
-                                        <p:cTn id="38" dur="1" fill="hold">
+                                        <p:cTn id="34" dur="1" fill="hold">
                                           <p:stCondLst>
                                             <p:cond delay="0"/>
                                           </p:stCondLst>
@@ -8504,7 +8569,7 @@
                                     </p:set>
                                     <p:anim calcmode="lin" valueType="num">
                                       <p:cBhvr additive="base">
-                                        <p:cTn id="39" dur="500" fill="hold"/>
+                                        <p:cTn id="35" dur="500" fill="hold"/>
                                         <p:tgtEl>
                                           <p:spTgt spid="17"/>
                                         </p:tgtEl>
@@ -8527,7 +8592,7 @@
                                     </p:anim>
                                     <p:anim calcmode="lin" valueType="num">
                                       <p:cBhvr additive="base">
-                                        <p:cTn id="40" dur="500" fill="hold"/>
+                                        <p:cTn id="36" dur="500" fill="hold"/>
                                         <p:tgtEl>
                                           <p:spTgt spid="17"/>
                                         </p:tgtEl>
@@ -8552,14 +8617,14 @@
                                 </p:cTn>
                               </p:par>
                               <p:par>
-                                <p:cTn id="41" presetID="2" presetClass="entr" presetSubtype="4" fill="hold" grpId="7" nodeType="withEffect">
+                                <p:cTn id="37" presetID="2" presetClass="entr" presetSubtype="4" fill="hold" grpId="7" nodeType="withEffect">
                                   <p:stCondLst>
                                     <p:cond delay="0"/>
                                   </p:stCondLst>
                                   <p:childTnLst>
                                     <p:set>
                                       <p:cBhvr>
-                                        <p:cTn id="42" dur="1" fill="hold">
+                                        <p:cTn id="38" dur="1" fill="hold">
                                           <p:stCondLst>
                                             <p:cond delay="0"/>
                                           </p:stCondLst>
@@ -8577,7 +8642,7 @@
                                     </p:set>
                                     <p:anim calcmode="lin" valueType="num">
                                       <p:cBhvr additive="base">
-                                        <p:cTn id="43" dur="500" fill="hold"/>
+                                        <p:cTn id="39" dur="500" fill="hold"/>
                                         <p:tgtEl>
                                           <p:spTgt spid="13"/>
                                         </p:tgtEl>
@@ -8600,7 +8665,7 @@
                                     </p:anim>
                                     <p:anim calcmode="lin" valueType="num">
                                       <p:cBhvr additive="base">
-                                        <p:cTn id="44" dur="500" fill="hold"/>
+                                        <p:cTn id="40" dur="500" fill="hold"/>
                                         <p:tgtEl>
                                           <p:spTgt spid="13"/>
                                         </p:tgtEl>
@@ -8625,14 +8690,14 @@
                                 </p:cTn>
                               </p:par>
                               <p:par>
-                                <p:cTn id="45" presetID="2" presetClass="entr" presetSubtype="4" fill="hold" grpId="8" nodeType="withEffect">
+                                <p:cTn id="41" presetID="2" presetClass="entr" presetSubtype="4" fill="hold" grpId="8" nodeType="withEffect">
                                   <p:stCondLst>
                                     <p:cond delay="0"/>
                                   </p:stCondLst>
                                   <p:childTnLst>
                                     <p:set>
                                       <p:cBhvr>
-                                        <p:cTn id="46" dur="1" fill="hold">
+                                        <p:cTn id="42" dur="1" fill="hold">
                                           <p:stCondLst>
                                             <p:cond delay="0"/>
                                           </p:stCondLst>
@@ -8650,7 +8715,7 @@
                                     </p:set>
                                     <p:anim calcmode="lin" valueType="num">
                                       <p:cBhvr additive="base">
-                                        <p:cTn id="47" dur="500" fill="hold"/>
+                                        <p:cTn id="43" dur="500" fill="hold"/>
                                         <p:tgtEl>
                                           <p:spTgt spid="14"/>
                                         </p:tgtEl>
@@ -8673,7 +8738,7 @@
                                     </p:anim>
                                     <p:anim calcmode="lin" valueType="num">
                                       <p:cBhvr additive="base">
-                                        <p:cTn id="48" dur="500" fill="hold"/>
+                                        <p:cTn id="44" dur="500" fill="hold"/>
                                         <p:tgtEl>
                                           <p:spTgt spid="14"/>
                                         </p:tgtEl>
@@ -8704,6 +8769,51 @@
                     </p:cTn>
                   </p:par>
                   <p:par>
+                    <p:cTn id="45" fill="hold">
+                      <p:stCondLst>
+                        <p:cond delay="indefinite"/>
+                      </p:stCondLst>
+                      <p:childTnLst>
+                        <p:par>
+                          <p:cTn id="46" fill="hold">
+                            <p:stCondLst>
+                              <p:cond delay="0"/>
+                            </p:stCondLst>
+                            <p:childTnLst>
+                              <p:par>
+                                <p:cTn id="47" presetID="1" presetClass="entr" presetSubtype="0" fill="hold" grpId="9" nodeType="clickEffect">
+                                  <p:stCondLst>
+                                    <p:cond delay="0"/>
+                                  </p:stCondLst>
+                                  <p:childTnLst>
+                                    <p:set>
+                                      <p:cBhvr>
+                                        <p:cTn id="48" dur="1" fill="hold">
+                                          <p:stCondLst>
+                                            <p:cond delay="0"/>
+                                          </p:stCondLst>
+                                        </p:cTn>
+                                        <p:tgtEl>
+                                          <p:spTgt spid="67"/>
+                                        </p:tgtEl>
+                                        <p:attrNameLst>
+                                          <p:attrName>style.visibility</p:attrName>
+                                        </p:attrNameLst>
+                                      </p:cBhvr>
+                                      <p:to>
+                                        <p:strVal val="visible"/>
+                                      </p:to>
+                                    </p:set>
+                                  </p:childTnLst>
+                                </p:cTn>
+                              </p:par>
+                            </p:childTnLst>
+                          </p:cTn>
+                        </p:par>
+                      </p:childTnLst>
+                    </p:cTn>
+                  </p:par>
+                  <p:par>
                     <p:cTn id="49" fill="hold">
                       <p:stCondLst>
                         <p:cond delay="indefinite"/>
@@ -8716,7 +8826,7 @@
                             </p:stCondLst>
                             <p:childTnLst>
                               <p:par>
-                                <p:cTn id="51" presetID="1" presetClass="entr" presetSubtype="0" fill="hold" grpId="9" nodeType="clickEffect">
+                                <p:cTn id="51" presetID="1" presetClass="entr" presetSubtype="0" fill="hold" grpId="10" nodeType="clickEffect">
                                   <p:stCondLst>
                                     <p:cond delay="0"/>
                                   </p:stCondLst>
@@ -8729,7 +8839,7 @@
                                           </p:stCondLst>
                                         </p:cTn>
                                         <p:tgtEl>
-                                          <p:spTgt spid="67"/>
+                                          <p:spTgt spid="66"/>
                                         </p:tgtEl>
                                         <p:attrNameLst>
                                           <p:attrName>style.visibility</p:attrName>
@@ -8761,7 +8871,7 @@
                             </p:stCondLst>
                             <p:childTnLst>
                               <p:par>
-                                <p:cTn id="55" presetID="1" presetClass="entr" presetSubtype="0" fill="hold" grpId="10" nodeType="clickEffect">
+                                <p:cTn id="55" presetID="2" presetClass="entr" presetSubtype="4" fill="hold" grpId="11" nodeType="clickEffect">
                                   <p:stCondLst>
                                     <p:cond delay="0"/>
                                   </p:stCondLst>
@@ -8769,51 +8879,6 @@
                                     <p:set>
                                       <p:cBhvr>
                                         <p:cTn id="56" dur="1" fill="hold">
-                                          <p:stCondLst>
-                                            <p:cond delay="0"/>
-                                          </p:stCondLst>
-                                        </p:cTn>
-                                        <p:tgtEl>
-                                          <p:spTgt spid="66"/>
-                                        </p:tgtEl>
-                                        <p:attrNameLst>
-                                          <p:attrName>style.visibility</p:attrName>
-                                        </p:attrNameLst>
-                                      </p:cBhvr>
-                                      <p:to>
-                                        <p:strVal val="visible"/>
-                                      </p:to>
-                                    </p:set>
-                                  </p:childTnLst>
-                                </p:cTn>
-                              </p:par>
-                            </p:childTnLst>
-                          </p:cTn>
-                        </p:par>
-                      </p:childTnLst>
-                    </p:cTn>
-                  </p:par>
-                  <p:par>
-                    <p:cTn id="57" fill="hold">
-                      <p:stCondLst>
-                        <p:cond delay="indefinite"/>
-                      </p:stCondLst>
-                      <p:childTnLst>
-                        <p:par>
-                          <p:cTn id="58" fill="hold">
-                            <p:stCondLst>
-                              <p:cond delay="0"/>
-                            </p:stCondLst>
-                            <p:childTnLst>
-                              <p:par>
-                                <p:cTn id="59" presetID="2" presetClass="entr" presetSubtype="4" fill="hold" grpId="11" nodeType="clickEffect">
-                                  <p:stCondLst>
-                                    <p:cond delay="0"/>
-                                  </p:stCondLst>
-                                  <p:childTnLst>
-                                    <p:set>
-                                      <p:cBhvr>
-                                        <p:cTn id="60" dur="1" fill="hold">
                                           <p:stCondLst>
                                             <p:cond delay="0"/>
                                           </p:stCondLst>
@@ -8831,7 +8896,7 @@
                                     </p:set>
                                     <p:anim calcmode="lin" valueType="num">
                                       <p:cBhvr additive="base">
-                                        <p:cTn id="61" dur="500" fill="hold"/>
+                                        <p:cTn id="57" dur="500" fill="hold"/>
                                         <p:tgtEl>
                                           <p:spTgt spid="20"/>
                                         </p:tgtEl>
@@ -8854,7 +8919,7 @@
                                     </p:anim>
                                     <p:anim calcmode="lin" valueType="num">
                                       <p:cBhvr additive="base">
-                                        <p:cTn id="62" dur="500" fill="hold"/>
+                                        <p:cTn id="58" dur="500" fill="hold"/>
                                         <p:tgtEl>
                                           <p:spTgt spid="20"/>
                                         </p:tgtEl>
@@ -8879,14 +8944,14 @@
                                 </p:cTn>
                               </p:par>
                               <p:par>
-                                <p:cTn id="63" presetID="2" presetClass="entr" presetSubtype="4" fill="hold" grpId="12" nodeType="withEffect">
+                                <p:cTn id="59" presetID="2" presetClass="entr" presetSubtype="4" fill="hold" grpId="12" nodeType="withEffect">
                                   <p:stCondLst>
                                     <p:cond delay="0"/>
                                   </p:stCondLst>
                                   <p:childTnLst>
                                     <p:set>
                                       <p:cBhvr>
-                                        <p:cTn id="64" dur="1" fill="hold">
+                                        <p:cTn id="60" dur="1" fill="hold">
                                           <p:stCondLst>
                                             <p:cond delay="0"/>
                                           </p:stCondLst>
@@ -8904,7 +8969,7 @@
                                     </p:set>
                                     <p:anim calcmode="lin" valueType="num">
                                       <p:cBhvr additive="base">
-                                        <p:cTn id="65" dur="500" fill="hold"/>
+                                        <p:cTn id="61" dur="500" fill="hold"/>
                                         <p:tgtEl>
                                           <p:spTgt spid="21"/>
                                         </p:tgtEl>
@@ -8927,7 +8992,7 @@
                                     </p:anim>
                                     <p:anim calcmode="lin" valueType="num">
                                       <p:cBhvr additive="base">
-                                        <p:cTn id="66" dur="500" fill="hold"/>
+                                        <p:cTn id="62" dur="500" fill="hold"/>
                                         <p:tgtEl>
                                           <p:spTgt spid="21"/>
                                         </p:tgtEl>
@@ -8952,14 +9017,14 @@
                                 </p:cTn>
                               </p:par>
                               <p:par>
-                                <p:cTn id="67" presetID="2" presetClass="entr" presetSubtype="4" fill="hold" grpId="13" nodeType="withEffect">
+                                <p:cTn id="63" presetID="2" presetClass="entr" presetSubtype="4" fill="hold" grpId="13" nodeType="withEffect">
                                   <p:stCondLst>
                                     <p:cond delay="0"/>
                                   </p:stCondLst>
                                   <p:childTnLst>
                                     <p:set>
                                       <p:cBhvr>
-                                        <p:cTn id="68" dur="1" fill="hold">
+                                        <p:cTn id="64" dur="1" fill="hold">
                                           <p:stCondLst>
                                             <p:cond delay="0"/>
                                           </p:stCondLst>
@@ -8977,7 +9042,7 @@
                                     </p:set>
                                     <p:anim calcmode="lin" valueType="num">
                                       <p:cBhvr additive="base">
-                                        <p:cTn id="69" dur="500" fill="hold"/>
+                                        <p:cTn id="65" dur="500" fill="hold"/>
                                         <p:tgtEl>
                                           <p:spTgt spid="22"/>
                                         </p:tgtEl>
@@ -9000,7 +9065,7 @@
                                     </p:anim>
                                     <p:anim calcmode="lin" valueType="num">
                                       <p:cBhvr additive="base">
-                                        <p:cTn id="70" dur="500" fill="hold"/>
+                                        <p:cTn id="66" dur="500" fill="hold"/>
                                         <p:tgtEl>
                                           <p:spTgt spid="22"/>
                                         </p:tgtEl>

--- a/발표/발표.pptx
+++ b/발표/발표.pptx
@@ -6591,7 +6591,7 @@
         <p:spPr>
           <a:xfrm>
             <a:off x="1514405" y="108433"/>
-            <a:ext cx="8964752" cy="692869"/>
+            <a:ext cx="8964752" cy="699287"/>
           </a:xfrm>
           <a:prstGeom prst="rect">
             <a:avLst/>
@@ -6624,7 +6624,7 @@
                 <a:ea typeface="맑은 고딕"/>
                 <a:cs typeface="Calibri"/>
               </a:rPr>
-              <a:t>자바에서 정렬을 위한 인터페이스</a:t>
+              <a:t>자바에서 객체정렬을 위한 인터페이스</a:t>
             </a:r>
             <a:r>
               <a:rPr xmlns:mc="http://schemas.openxmlformats.org/markup-compatibility/2006" xmlns:hp="http://schemas.haansoft.com/office/presentation/8.0" kumimoji="0" lang="en-US" altLang="ko-KR" sz="4000" b="0" i="0" u="none" strike="noStrike" kern="1200" cap="none" spc="0" normalizeH="0" baseline="0" mc:Ignorable="hp" hp:hslEmbossed="0">
@@ -9716,7 +9716,7 @@
       </p:sp>
       <p:pic>
         <p:nvPicPr>
-          <p:cNvPr id="15" name=""/>
+          <p:cNvPr id="21" name=""/>
           <p:cNvPicPr>
             <a:picLocks noChangeAspect="1"/>
           </p:cNvPicPr>
@@ -9730,8 +9730,8 @@
         </p:blipFill>
         <p:spPr>
           <a:xfrm>
-            <a:off x="527957" y="4285343"/>
-            <a:ext cx="5232400" cy="2203450"/>
+            <a:off x="352878" y="1162400"/>
+            <a:ext cx="6992457" cy="4285700"/>
           </a:xfrm>
           <a:prstGeom prst="rect">
             <a:avLst/>
@@ -9740,7 +9740,7 @@
       </p:pic>
       <p:pic>
         <p:nvPicPr>
-          <p:cNvPr id="18" name=""/>
+          <p:cNvPr id="22" name=""/>
           <p:cNvPicPr>
             <a:picLocks noChangeAspect="1"/>
           </p:cNvPicPr>
@@ -9754,8 +9754,8 @@
         </p:blipFill>
         <p:spPr>
           <a:xfrm>
-            <a:off x="4713513" y="5229713"/>
-            <a:ext cx="3054350" cy="882650"/>
+            <a:off x="7159250" y="1162400"/>
+            <a:ext cx="4507374" cy="4285699"/>
           </a:xfrm>
           <a:prstGeom prst="rect">
             <a:avLst/>
@@ -9764,7 +9764,7 @@
       </p:pic>
       <p:pic>
         <p:nvPicPr>
-          <p:cNvPr id="19" name=""/>
+          <p:cNvPr id="23" name=""/>
           <p:cNvPicPr>
             <a:picLocks noChangeAspect="1"/>
           </p:cNvPicPr>
@@ -9778,8 +9778,8 @@
         </p:blipFill>
         <p:spPr>
           <a:xfrm>
-            <a:off x="7767862" y="982911"/>
-            <a:ext cx="4371199" cy="3146669"/>
+            <a:off x="4420850" y="2095175"/>
+            <a:ext cx="3035300" cy="882650"/>
           </a:xfrm>
           <a:prstGeom prst="rect">
             <a:avLst/>
@@ -9788,7 +9788,7 @@
       </p:pic>
       <p:pic>
         <p:nvPicPr>
-          <p:cNvPr id="20" name=""/>
+          <p:cNvPr id="24" name=""/>
           <p:cNvPicPr>
             <a:picLocks noChangeAspect="1"/>
           </p:cNvPicPr>
@@ -9802,32 +9802,8 @@
         </p:blipFill>
         <p:spPr>
           <a:xfrm>
-            <a:off x="562428" y="982911"/>
-            <a:ext cx="5302250" cy="2819400"/>
-          </a:xfrm>
-          <a:prstGeom prst="rect">
-            <a:avLst/>
-          </a:prstGeom>
-        </p:spPr>
-      </p:pic>
-      <p:pic>
-        <p:nvPicPr>
-          <p:cNvPr id="13" name=""/>
-          <p:cNvPicPr>
-            <a:picLocks noChangeAspect="1"/>
-          </p:cNvPicPr>
-          <p:nvPr/>
-        </p:nvPicPr>
-        <p:blipFill rotWithShape="1">
-          <a:blip r:embed="rId6"/>
-          <a:stretch>
-            <a:fillRect/>
-          </a:stretch>
-        </p:blipFill>
-        <p:spPr>
-          <a:xfrm>
-            <a:off x="4369253" y="1875517"/>
-            <a:ext cx="2990850" cy="888999"/>
+            <a:off x="3631250" y="5448100"/>
+            <a:ext cx="3079750" cy="939800"/>
           </a:xfrm>
           <a:prstGeom prst="rect">
             <a:avLst/>
@@ -9886,7 +9862,7 @@
                                           </p:stCondLst>
                                         </p:cTn>
                                         <p:tgtEl>
-                                          <p:spTgt spid="20"/>
+                                          <p:spTgt spid="22"/>
                                         </p:tgtEl>
                                         <p:attrNameLst>
                                           <p:attrName>style.visibility</p:attrName>
@@ -9918,7 +9894,7 @@
                             </p:stCondLst>
                             <p:childTnLst>
                               <p:par>
-                                <p:cTn id="9" presetID="22" presetClass="entr" presetSubtype="4" fill="hold" nodeType="clickEffect">
+                                <p:cTn id="9" presetID="1" presetClass="entr" presetSubtype="0" fill="hold" nodeType="clickEffect">
                                   <p:stCondLst>
                                     <p:cond delay="0"/>
                                   </p:stCondLst>
@@ -9931,7 +9907,7 @@
                                           </p:stCondLst>
                                         </p:cTn>
                                         <p:tgtEl>
-                                          <p:spTgt spid="13"/>
+                                          <p:spTgt spid="21"/>
                                         </p:tgtEl>
                                         <p:attrNameLst>
                                           <p:attrName>style.visibility</p:attrName>
@@ -9941,14 +9917,6 @@
                                         <p:strVal val="visible"/>
                                       </p:to>
                                     </p:set>
-                                    <p:animEffect transition="in" filter="wipe(down)">
-                                      <p:cBhvr>
-                                        <p:cTn id="11" dur="500"/>
-                                        <p:tgtEl>
-                                          <p:spTgt spid="13"/>
-                                        </p:tgtEl>
-                                      </p:cBhvr>
-                                    </p:animEffect>
                                   </p:childTnLst>
                                 </p:cTn>
                               </p:par>
@@ -9959,32 +9927,32 @@
                     </p:cTn>
                   </p:par>
                   <p:par>
-                    <p:cTn id="12" fill="hold">
+                    <p:cTn id="11" fill="hold">
                       <p:stCondLst>
                         <p:cond delay="indefinite"/>
                       </p:stCondLst>
                       <p:childTnLst>
                         <p:par>
-                          <p:cTn id="13" fill="hold">
+                          <p:cTn id="12" fill="hold">
                             <p:stCondLst>
                               <p:cond delay="0"/>
                             </p:stCondLst>
                             <p:childTnLst>
                               <p:par>
-                                <p:cTn id="14" presetID="22" presetClass="entr" presetSubtype="4" fill="hold" nodeType="clickEffect">
+                                <p:cTn id="13" presetID="1" presetClass="entr" presetSubtype="0" fill="hold" nodeType="clickEffect">
                                   <p:stCondLst>
                                     <p:cond delay="0"/>
                                   </p:stCondLst>
                                   <p:childTnLst>
                                     <p:set>
                                       <p:cBhvr>
-                                        <p:cTn id="15" dur="1" fill="hold">
+                                        <p:cTn id="14" dur="1" fill="hold">
                                           <p:stCondLst>
                                             <p:cond delay="0"/>
                                           </p:stCondLst>
                                         </p:cTn>
                                         <p:tgtEl>
-                                          <p:spTgt spid="15"/>
+                                          <p:spTgt spid="23"/>
                                         </p:tgtEl>
                                         <p:attrNameLst>
                                           <p:attrName>style.visibility</p:attrName>
@@ -9994,14 +9962,6 @@
                                         <p:strVal val="visible"/>
                                       </p:to>
                                     </p:set>
-                                    <p:animEffect transition="in" filter="wipe(down)">
-                                      <p:cBhvr>
-                                        <p:cTn id="16" dur="500"/>
-                                        <p:tgtEl>
-                                          <p:spTgt spid="15"/>
-                                        </p:tgtEl>
-                                      </p:cBhvr>
-                                    </p:animEffect>
                                   </p:childTnLst>
                                 </p:cTn>
                               </p:par>
@@ -10012,32 +9972,32 @@
                     </p:cTn>
                   </p:par>
                   <p:par>
-                    <p:cTn id="17" fill="hold">
+                    <p:cTn id="15" fill="hold">
                       <p:stCondLst>
                         <p:cond delay="indefinite"/>
                       </p:stCondLst>
                       <p:childTnLst>
                         <p:par>
-                          <p:cTn id="18" fill="hold">
+                          <p:cTn id="16" fill="hold">
                             <p:stCondLst>
                               <p:cond delay="0"/>
                             </p:stCondLst>
                             <p:childTnLst>
                               <p:par>
-                                <p:cTn id="19" presetID="1" presetClass="entr" presetSubtype="0" fill="hold" nodeType="clickEffect">
+                                <p:cTn id="17" presetID="1" presetClass="entr" presetSubtype="0" fill="hold" nodeType="clickEffect">
                                   <p:stCondLst>
                                     <p:cond delay="0"/>
                                   </p:stCondLst>
                                   <p:childTnLst>
                                     <p:set>
                                       <p:cBhvr>
-                                        <p:cTn id="20" dur="1" fill="hold">
+                                        <p:cTn id="18" dur="1" fill="hold">
                                           <p:stCondLst>
                                             <p:cond delay="0"/>
                                           </p:stCondLst>
                                         </p:cTn>
                                         <p:tgtEl>
-                                          <p:spTgt spid="18"/>
+                                          <p:spTgt spid="24"/>
                                         </p:tgtEl>
                                         <p:attrNameLst>
                                           <p:attrName>style.visibility</p:attrName>
